--- a/Lib/UI_build.pptx
+++ b/Lib/UI_build.pptx
@@ -104,6 +104,11 @@
       </a:defRPr>
     </a:lvl9pPr>
   </p:defaultTextStyle>
+  <p:extLst>
+    <p:ext uri="{EFAFB233-063F-42B5-8137-9DF3F51BA10A}">
+      <p15:sldGuideLst xmlns:p15="http://schemas.microsoft.com/office/powerpoint/2012/main"/>
+    </p:ext>
+  </p:extLst>
 </p:presentation>
 </file>
 
@@ -238,7 +243,7 @@
           <a:p>
             <a:fld id="{474A72E0-F0A2-4F40-8AA6-2CA8711C8D53}" type="datetimeFigureOut">
               <a:rPr lang="en-US" smtClean="0"/>
-              <a:t>9/5/17</a:t>
+              <a:t>10/24/17</a:t>
             </a:fld>
             <a:endParaRPr lang="en-US"/>
           </a:p>
@@ -408,7 +413,7 @@
           <a:p>
             <a:fld id="{474A72E0-F0A2-4F40-8AA6-2CA8711C8D53}" type="datetimeFigureOut">
               <a:rPr lang="en-US" smtClean="0"/>
-              <a:t>9/5/17</a:t>
+              <a:t>10/24/17</a:t>
             </a:fld>
             <a:endParaRPr lang="en-US"/>
           </a:p>
@@ -588,7 +593,7 @@
           <a:p>
             <a:fld id="{474A72E0-F0A2-4F40-8AA6-2CA8711C8D53}" type="datetimeFigureOut">
               <a:rPr lang="en-US" smtClean="0"/>
-              <a:t>9/5/17</a:t>
+              <a:t>10/24/17</a:t>
             </a:fld>
             <a:endParaRPr lang="en-US"/>
           </a:p>
@@ -758,7 +763,7 @@
           <a:p>
             <a:fld id="{474A72E0-F0A2-4F40-8AA6-2CA8711C8D53}" type="datetimeFigureOut">
               <a:rPr lang="en-US" smtClean="0"/>
-              <a:t>9/5/17</a:t>
+              <a:t>10/24/17</a:t>
             </a:fld>
             <a:endParaRPr lang="en-US"/>
           </a:p>
@@ -1004,7 +1009,7 @@
           <a:p>
             <a:fld id="{474A72E0-F0A2-4F40-8AA6-2CA8711C8D53}" type="datetimeFigureOut">
               <a:rPr lang="en-US" smtClean="0"/>
-              <a:t>9/5/17</a:t>
+              <a:t>10/24/17</a:t>
             </a:fld>
             <a:endParaRPr lang="en-US"/>
           </a:p>
@@ -1236,7 +1241,7 @@
           <a:p>
             <a:fld id="{474A72E0-F0A2-4F40-8AA6-2CA8711C8D53}" type="datetimeFigureOut">
               <a:rPr lang="en-US" smtClean="0"/>
-              <a:t>9/5/17</a:t>
+              <a:t>10/24/17</a:t>
             </a:fld>
             <a:endParaRPr lang="en-US"/>
           </a:p>
@@ -1603,7 +1608,7 @@
           <a:p>
             <a:fld id="{474A72E0-F0A2-4F40-8AA6-2CA8711C8D53}" type="datetimeFigureOut">
               <a:rPr lang="en-US" smtClean="0"/>
-              <a:t>9/5/17</a:t>
+              <a:t>10/24/17</a:t>
             </a:fld>
             <a:endParaRPr lang="en-US"/>
           </a:p>
@@ -1721,7 +1726,7 @@
           <a:p>
             <a:fld id="{474A72E0-F0A2-4F40-8AA6-2CA8711C8D53}" type="datetimeFigureOut">
               <a:rPr lang="en-US" smtClean="0"/>
-              <a:t>9/5/17</a:t>
+              <a:t>10/24/17</a:t>
             </a:fld>
             <a:endParaRPr lang="en-US"/>
           </a:p>
@@ -1816,7 +1821,7 @@
           <a:p>
             <a:fld id="{474A72E0-F0A2-4F40-8AA6-2CA8711C8D53}" type="datetimeFigureOut">
               <a:rPr lang="en-US" smtClean="0"/>
-              <a:t>9/5/17</a:t>
+              <a:t>10/24/17</a:t>
             </a:fld>
             <a:endParaRPr lang="en-US"/>
           </a:p>
@@ -2093,7 +2098,7 @@
           <a:p>
             <a:fld id="{474A72E0-F0A2-4F40-8AA6-2CA8711C8D53}" type="datetimeFigureOut">
               <a:rPr lang="en-US" smtClean="0"/>
-              <a:t>9/5/17</a:t>
+              <a:t>10/24/17</a:t>
             </a:fld>
             <a:endParaRPr lang="en-US"/>
           </a:p>
@@ -2346,7 +2351,7 @@
           <a:p>
             <a:fld id="{474A72E0-F0A2-4F40-8AA6-2CA8711C8D53}" type="datetimeFigureOut">
               <a:rPr lang="en-US" smtClean="0"/>
-              <a:t>9/5/17</a:t>
+              <a:t>10/24/17</a:t>
             </a:fld>
             <a:endParaRPr lang="en-US"/>
           </a:p>
@@ -2559,7 +2564,7 @@
           <a:p>
             <a:fld id="{474A72E0-F0A2-4F40-8AA6-2CA8711C8D53}" type="datetimeFigureOut">
               <a:rPr lang="en-US" smtClean="0"/>
-              <a:t>9/5/17</a:t>
+              <a:t>10/24/17</a:t>
             </a:fld>
             <a:endParaRPr lang="en-US"/>
           </a:p>
@@ -3034,6 +3039,128 @@
           </a:p>
         </p:txBody>
       </p:sp>
+      <p:sp>
+        <p:nvSpPr>
+          <p:cNvPr id="3" name="Flèche vers le bas 2"/>
+          <p:cNvSpPr/>
+          <p:nvPr/>
+        </p:nvSpPr>
+        <p:spPr>
+          <a:xfrm>
+            <a:off x="6411166" y="1528763"/>
+            <a:ext cx="1419505" cy="3083578"/>
+          </a:xfrm>
+          <a:prstGeom prst="downArrow">
+            <a:avLst>
+              <a:gd name="adj1" fmla="val 41148"/>
+              <a:gd name="adj2" fmla="val 76013"/>
+            </a:avLst>
+          </a:prstGeom>
+          <a:solidFill>
+            <a:srgbClr val="FF0000">
+              <a:alpha val="20000"/>
+            </a:srgbClr>
+          </a:solidFill>
+          <a:ln w="127000" cap="rnd">
+            <a:solidFill>
+              <a:srgbClr val="FF0000"/>
+            </a:solidFill>
+            <a:round/>
+          </a:ln>
+          <a:effectLst>
+            <a:glow rad="304800">
+              <a:srgbClr val="FF0000">
+                <a:alpha val="40000"/>
+              </a:srgbClr>
+            </a:glow>
+          </a:effectLst>
+        </p:spPr>
+        <p:style>
+          <a:lnRef idx="2">
+            <a:schemeClr val="accent1">
+              <a:shade val="50000"/>
+            </a:schemeClr>
+          </a:lnRef>
+          <a:fillRef idx="1">
+            <a:schemeClr val="accent1"/>
+          </a:fillRef>
+          <a:effectRef idx="0">
+            <a:schemeClr val="accent1"/>
+          </a:effectRef>
+          <a:fontRef idx="minor">
+            <a:schemeClr val="lt1"/>
+          </a:fontRef>
+        </p:style>
+        <p:txBody>
+          <a:bodyPr rtlCol="0" anchor="ctr"/>
+          <a:lstStyle/>
+          <a:p>
+            <a:pPr algn="ctr"/>
+            <a:endParaRPr lang="en-US"/>
+          </a:p>
+        </p:txBody>
+      </p:sp>
+      <p:sp>
+        <p:nvSpPr>
+          <p:cNvPr id="5" name="Flèche vers le bas 4"/>
+          <p:cNvSpPr/>
+          <p:nvPr/>
+        </p:nvSpPr>
+        <p:spPr>
+          <a:xfrm>
+            <a:off x="965107" y="1528763"/>
+            <a:ext cx="1419505" cy="3083578"/>
+          </a:xfrm>
+          <a:prstGeom prst="downArrow">
+            <a:avLst>
+              <a:gd name="adj1" fmla="val 41148"/>
+              <a:gd name="adj2" fmla="val 76013"/>
+            </a:avLst>
+          </a:prstGeom>
+          <a:solidFill>
+            <a:schemeClr val="bg1">
+              <a:alpha val="20000"/>
+            </a:schemeClr>
+          </a:solidFill>
+          <a:ln w="127000" cap="rnd">
+            <a:solidFill>
+              <a:schemeClr val="bg1"/>
+            </a:solidFill>
+            <a:round/>
+          </a:ln>
+          <a:effectLst>
+            <a:glow rad="304800">
+              <a:schemeClr val="bg1">
+                <a:alpha val="40000"/>
+              </a:schemeClr>
+            </a:glow>
+          </a:effectLst>
+        </p:spPr>
+        <p:style>
+          <a:lnRef idx="2">
+            <a:schemeClr val="accent1">
+              <a:shade val="50000"/>
+            </a:schemeClr>
+          </a:lnRef>
+          <a:fillRef idx="1">
+            <a:schemeClr val="accent1"/>
+          </a:fillRef>
+          <a:effectRef idx="0">
+            <a:schemeClr val="accent1"/>
+          </a:effectRef>
+          <a:fontRef idx="minor">
+            <a:schemeClr val="lt1"/>
+          </a:fontRef>
+        </p:style>
+        <p:txBody>
+          <a:bodyPr rtlCol="0" anchor="ctr"/>
+          <a:lstStyle/>
+          <a:p>
+            <a:pPr algn="ctr"/>
+            <a:endParaRPr lang="en-US"/>
+          </a:p>
+        </p:txBody>
+      </p:sp>
     </p:spTree>
     <p:extLst>
       <p:ext uri="{BB962C8B-B14F-4D97-AF65-F5344CB8AC3E}">
